--- a/rapport/images/calib_flowchart.pptx
+++ b/rapport/images/calib_flowchart.pptx
@@ -288,7 +288,7 @@
           <a:p>
             <a:fld id="{5AFB1C9F-04FC-4952-BBC2-7B28DF84A943}" type="datetimeFigureOut">
               <a:rPr lang="da-DK" smtClean="0"/>
-              <a:t>09-05-2011</a:t>
+              <a:t>10-05-2011</a:t>
             </a:fld>
             <a:endParaRPr lang="da-DK"/>
           </a:p>
@@ -458,7 +458,7 @@
           <a:p>
             <a:fld id="{5AFB1C9F-04FC-4952-BBC2-7B28DF84A943}" type="datetimeFigureOut">
               <a:rPr lang="da-DK" smtClean="0"/>
-              <a:t>09-05-2011</a:t>
+              <a:t>10-05-2011</a:t>
             </a:fld>
             <a:endParaRPr lang="da-DK"/>
           </a:p>
@@ -638,7 +638,7 @@
           <a:p>
             <a:fld id="{5AFB1C9F-04FC-4952-BBC2-7B28DF84A943}" type="datetimeFigureOut">
               <a:rPr lang="da-DK" smtClean="0"/>
-              <a:t>09-05-2011</a:t>
+              <a:t>10-05-2011</a:t>
             </a:fld>
             <a:endParaRPr lang="da-DK"/>
           </a:p>
@@ -808,7 +808,7 @@
           <a:p>
             <a:fld id="{5AFB1C9F-04FC-4952-BBC2-7B28DF84A943}" type="datetimeFigureOut">
               <a:rPr lang="da-DK" smtClean="0"/>
-              <a:t>09-05-2011</a:t>
+              <a:t>10-05-2011</a:t>
             </a:fld>
             <a:endParaRPr lang="da-DK"/>
           </a:p>
@@ -1054,7 +1054,7 @@
           <a:p>
             <a:fld id="{5AFB1C9F-04FC-4952-BBC2-7B28DF84A943}" type="datetimeFigureOut">
               <a:rPr lang="da-DK" smtClean="0"/>
-              <a:t>09-05-2011</a:t>
+              <a:t>10-05-2011</a:t>
             </a:fld>
             <a:endParaRPr lang="da-DK"/>
           </a:p>
@@ -1342,7 +1342,7 @@
           <a:p>
             <a:fld id="{5AFB1C9F-04FC-4952-BBC2-7B28DF84A943}" type="datetimeFigureOut">
               <a:rPr lang="da-DK" smtClean="0"/>
-              <a:t>09-05-2011</a:t>
+              <a:t>10-05-2011</a:t>
             </a:fld>
             <a:endParaRPr lang="da-DK"/>
           </a:p>
@@ -1764,7 +1764,7 @@
           <a:p>
             <a:fld id="{5AFB1C9F-04FC-4952-BBC2-7B28DF84A943}" type="datetimeFigureOut">
               <a:rPr lang="da-DK" smtClean="0"/>
-              <a:t>09-05-2011</a:t>
+              <a:t>10-05-2011</a:t>
             </a:fld>
             <a:endParaRPr lang="da-DK"/>
           </a:p>
@@ -1882,7 +1882,7 @@
           <a:p>
             <a:fld id="{5AFB1C9F-04FC-4952-BBC2-7B28DF84A943}" type="datetimeFigureOut">
               <a:rPr lang="da-DK" smtClean="0"/>
-              <a:t>09-05-2011</a:t>
+              <a:t>10-05-2011</a:t>
             </a:fld>
             <a:endParaRPr lang="da-DK"/>
           </a:p>
@@ -1977,7 +1977,7 @@
           <a:p>
             <a:fld id="{5AFB1C9F-04FC-4952-BBC2-7B28DF84A943}" type="datetimeFigureOut">
               <a:rPr lang="da-DK" smtClean="0"/>
-              <a:t>09-05-2011</a:t>
+              <a:t>10-05-2011</a:t>
             </a:fld>
             <a:endParaRPr lang="da-DK"/>
           </a:p>
@@ -2254,7 +2254,7 @@
           <a:p>
             <a:fld id="{5AFB1C9F-04FC-4952-BBC2-7B28DF84A943}" type="datetimeFigureOut">
               <a:rPr lang="da-DK" smtClean="0"/>
-              <a:t>09-05-2011</a:t>
+              <a:t>10-05-2011</a:t>
             </a:fld>
             <a:endParaRPr lang="da-DK"/>
           </a:p>
@@ -2507,7 +2507,7 @@
           <a:p>
             <a:fld id="{5AFB1C9F-04FC-4952-BBC2-7B28DF84A943}" type="datetimeFigureOut">
               <a:rPr lang="da-DK" smtClean="0"/>
-              <a:t>09-05-2011</a:t>
+              <a:t>10-05-2011</a:t>
             </a:fld>
             <a:endParaRPr lang="da-DK"/>
           </a:p>
@@ -2720,7 +2720,7 @@
           <a:p>
             <a:fld id="{5AFB1C9F-04FC-4952-BBC2-7B28DF84A943}" type="datetimeFigureOut">
               <a:rPr lang="da-DK" smtClean="0"/>
-              <a:t>09-05-2011</a:t>
+              <a:t>10-05-2011</a:t>
             </a:fld>
             <a:endParaRPr lang="da-DK"/>
           </a:p>
@@ -3097,36 +3097,31 @@
       </p:grpSpPr>
       <p:sp>
         <p:nvSpPr>
-          <p:cNvPr id="4" name="Flowchart: Alternate Process 3"/>
+          <p:cNvPr id="2" name="Flowchart: Process 1"/>
           <p:cNvSpPr/>
           <p:nvPr/>
         </p:nvSpPr>
         <p:spPr>
           <a:xfrm>
-            <a:off x="2339752" y="836712"/>
-            <a:ext cx="1224136" cy="504056"/>
+            <a:off x="352943" y="116632"/>
+            <a:ext cx="1296144" cy="576672"/>
           </a:xfrm>
-          <a:prstGeom prst="flowChartAlternateProcess">
+          <a:prstGeom prst="flowChartProcess">
             <a:avLst/>
           </a:prstGeom>
-          <a:solidFill>
-            <a:schemeClr val="bg1"/>
-          </a:solidFill>
         </p:spPr>
         <p:style>
           <a:lnRef idx="2">
-            <a:schemeClr val="accent1">
-              <a:shade val="50000"/>
-            </a:schemeClr>
+            <a:schemeClr val="accent1"/>
           </a:lnRef>
           <a:fillRef idx="1">
-            <a:schemeClr val="accent1"/>
+            <a:schemeClr val="lt1"/>
           </a:fillRef>
           <a:effectRef idx="0">
             <a:schemeClr val="accent1"/>
           </a:effectRef>
           <a:fontRef idx="minor">
-            <a:schemeClr val="lt1"/>
+            <a:schemeClr val="dk1"/>
           </a:fontRef>
         </p:style>
         <p:txBody>
@@ -3135,14 +3130,14 @@
           <a:p>
             <a:pPr algn="ctr"/>
             <a:r>
-              <a:rPr lang="da-DK" sz="1100" dirty="0" smtClean="0">
+              <a:rPr lang="da-DK" sz="1200" dirty="0">
                 <a:solidFill>
                   <a:schemeClr val="tx1"/>
                 </a:solidFill>
               </a:rPr>
               <a:t>Calibration start</a:t>
             </a:r>
-            <a:endParaRPr lang="da-DK" sz="1100" dirty="0">
+            <a:endParaRPr lang="da-DK" sz="1200" dirty="0">
               <a:solidFill>
                 <a:schemeClr val="tx1"/>
               </a:solidFill>
@@ -3152,36 +3147,31 @@
       </p:sp>
       <p:sp>
         <p:nvSpPr>
-          <p:cNvPr id="5" name="Flowchart: Alternate Process 4"/>
+          <p:cNvPr id="3" name="Flowchart: Decision 2"/>
           <p:cNvSpPr/>
           <p:nvPr/>
         </p:nvSpPr>
         <p:spPr>
           <a:xfrm>
-            <a:off x="2339752" y="1844824"/>
-            <a:ext cx="1224136" cy="504056"/>
+            <a:off x="126337" y="908720"/>
+            <a:ext cx="1749356" cy="792088"/>
           </a:xfrm>
-          <a:prstGeom prst="flowChartAlternateProcess">
+          <a:prstGeom prst="flowChartDecision">
             <a:avLst/>
           </a:prstGeom>
-          <a:solidFill>
-            <a:schemeClr val="bg1"/>
-          </a:solidFill>
         </p:spPr>
         <p:style>
           <a:lnRef idx="2">
-            <a:schemeClr val="accent1">
-              <a:shade val="50000"/>
-            </a:schemeClr>
+            <a:schemeClr val="accent1"/>
           </a:lnRef>
           <a:fillRef idx="1">
-            <a:schemeClr val="accent1"/>
+            <a:schemeClr val="lt1"/>
           </a:fillRef>
           <a:effectRef idx="0">
             <a:schemeClr val="accent1"/>
           </a:effectRef>
           <a:fontRef idx="minor">
-            <a:schemeClr val="lt1"/>
+            <a:schemeClr val="dk1"/>
           </a:fontRef>
         </p:style>
         <p:txBody>
@@ -3190,89 +3180,26 @@
           <a:p>
             <a:pPr algn="ctr"/>
             <a:r>
-              <a:rPr lang="da-DK" sz="1100" dirty="0" smtClean="0">
-                <a:solidFill>
-                  <a:schemeClr val="tx1"/>
-                </a:solidFill>
-              </a:rPr>
+              <a:rPr lang="da-DK" sz="1200" dirty="0" smtClean="0"/>
               <a:t>Table detected?</a:t>
             </a:r>
-            <a:endParaRPr lang="da-DK" sz="1100" dirty="0">
-              <a:solidFill>
-                <a:schemeClr val="tx1"/>
-              </a:solidFill>
-            </a:endParaRPr>
-          </a:p>
-        </p:txBody>
-      </p:sp>
-      <p:sp>
-        <p:nvSpPr>
-          <p:cNvPr id="6" name="Flowchart: Alternate Process 5"/>
-          <p:cNvSpPr/>
-          <p:nvPr/>
-        </p:nvSpPr>
-        <p:spPr>
-          <a:xfrm>
-            <a:off x="3923928" y="1844824"/>
-            <a:ext cx="1224136" cy="504056"/>
-          </a:xfrm>
-          <a:prstGeom prst="flowChartAlternateProcess">
-            <a:avLst/>
-          </a:prstGeom>
-          <a:solidFill>
-            <a:schemeClr val="bg1"/>
-          </a:solidFill>
-        </p:spPr>
-        <p:style>
-          <a:lnRef idx="2">
-            <a:schemeClr val="accent1">
-              <a:shade val="50000"/>
-            </a:schemeClr>
-          </a:lnRef>
-          <a:fillRef idx="1">
-            <a:schemeClr val="accent1"/>
-          </a:fillRef>
-          <a:effectRef idx="0">
-            <a:schemeClr val="accent1"/>
-          </a:effectRef>
-          <a:fontRef idx="minor">
-            <a:schemeClr val="lt1"/>
-          </a:fontRef>
-        </p:style>
-        <p:txBody>
-          <a:bodyPr rtlCol="0" anchor="ctr"/>
-          <a:lstStyle/>
-          <a:p>
-            <a:pPr algn="ctr"/>
-            <a:r>
-              <a:rPr lang="da-DK" sz="1100" dirty="0" smtClean="0">
-                <a:solidFill>
-                  <a:schemeClr val="tx1"/>
-                </a:solidFill>
-              </a:rPr>
-              <a:t>Save data in config file.</a:t>
-            </a:r>
-            <a:endParaRPr lang="da-DK" sz="1100" dirty="0">
-              <a:solidFill>
-                <a:schemeClr val="tx1"/>
-              </a:solidFill>
-            </a:endParaRPr>
+            <a:endParaRPr lang="da-DK" sz="1200" dirty="0"/>
           </a:p>
         </p:txBody>
       </p:sp>
       <p:cxnSp>
         <p:nvCxnSpPr>
-          <p:cNvPr id="7" name="Straight Arrow Connector 6"/>
+          <p:cNvPr id="9" name="Straight Arrow Connector 8"/>
           <p:cNvCxnSpPr>
-            <a:stCxn id="5" idx="3"/>
-            <a:endCxn id="6" idx="1"/>
+            <a:stCxn id="2" idx="2"/>
+            <a:endCxn id="3" idx="0"/>
           </p:cNvCxnSpPr>
           <p:nvPr/>
         </p:nvCxnSpPr>
         <p:spPr>
           <a:xfrm>
-            <a:off x="3563888" y="2096852"/>
-            <a:ext cx="360040" cy="0"/>
+            <a:off x="1001015" y="693304"/>
+            <a:ext cx="0" cy="215416"/>
           </a:xfrm>
           <a:prstGeom prst="straightConnector1">
             <a:avLst/>
@@ -3282,33 +3209,133 @@
           </a:ln>
         </p:spPr>
         <p:style>
-          <a:lnRef idx="1">
+          <a:lnRef idx="2">
             <a:schemeClr val="accent1"/>
           </a:lnRef>
-          <a:fillRef idx="0">
-            <a:schemeClr val="accent1"/>
+          <a:fillRef idx="1">
+            <a:schemeClr val="lt1"/>
           </a:fillRef>
           <a:effectRef idx="0">
             <a:schemeClr val="accent1"/>
           </a:effectRef>
           <a:fontRef idx="minor">
-            <a:schemeClr val="tx1"/>
+            <a:schemeClr val="dk1"/>
           </a:fontRef>
         </p:style>
       </p:cxnSp>
+      <p:sp>
+        <p:nvSpPr>
+          <p:cNvPr id="16" name="Flowchart: Process 15"/>
+          <p:cNvSpPr/>
+          <p:nvPr/>
+        </p:nvSpPr>
+        <p:spPr>
+          <a:xfrm>
+            <a:off x="3851920" y="1016428"/>
+            <a:ext cx="1296144" cy="576672"/>
+          </a:xfrm>
+          <a:prstGeom prst="flowChartProcess">
+            <a:avLst/>
+          </a:prstGeom>
+        </p:spPr>
+        <p:style>
+          <a:lnRef idx="2">
+            <a:schemeClr val="accent1"/>
+          </a:lnRef>
+          <a:fillRef idx="1">
+            <a:schemeClr val="lt1"/>
+          </a:fillRef>
+          <a:effectRef idx="0">
+            <a:schemeClr val="accent1"/>
+          </a:effectRef>
+          <a:fontRef idx="minor">
+            <a:schemeClr val="dk1"/>
+          </a:fontRef>
+        </p:style>
+        <p:txBody>
+          <a:bodyPr rtlCol="0" anchor="ctr"/>
+          <a:lstStyle/>
+          <a:p>
+            <a:pPr algn="ctr"/>
+            <a:r>
+              <a:rPr lang="da-DK" sz="1200" dirty="0" smtClean="0">
+                <a:solidFill>
+                  <a:schemeClr val="tx1"/>
+                </a:solidFill>
+              </a:rPr>
+              <a:t>Save data in config file</a:t>
+            </a:r>
+            <a:endParaRPr lang="da-DK" sz="1200" dirty="0">
+              <a:solidFill>
+                <a:schemeClr val="tx1"/>
+              </a:solidFill>
+            </a:endParaRPr>
+          </a:p>
+        </p:txBody>
+      </p:sp>
+      <p:sp>
+        <p:nvSpPr>
+          <p:cNvPr id="17" name="Flowchart: Process 16"/>
+          <p:cNvSpPr/>
+          <p:nvPr/>
+        </p:nvSpPr>
+        <p:spPr>
+          <a:xfrm>
+            <a:off x="353887" y="1988840"/>
+            <a:ext cx="1296144" cy="720080"/>
+          </a:xfrm>
+          <a:prstGeom prst="flowChartProcess">
+            <a:avLst/>
+          </a:prstGeom>
+        </p:spPr>
+        <p:style>
+          <a:lnRef idx="2">
+            <a:schemeClr val="accent1"/>
+          </a:lnRef>
+          <a:fillRef idx="1">
+            <a:schemeClr val="lt1"/>
+          </a:fillRef>
+          <a:effectRef idx="0">
+            <a:schemeClr val="accent1"/>
+          </a:effectRef>
+          <a:fontRef idx="minor">
+            <a:schemeClr val="dk1"/>
+          </a:fontRef>
+        </p:style>
+        <p:txBody>
+          <a:bodyPr rtlCol="0" anchor="ctr"/>
+          <a:lstStyle/>
+          <a:p>
+            <a:pPr algn="ctr"/>
+            <a:r>
+              <a:rPr lang="da-DK" sz="1200" dirty="0">
+                <a:solidFill>
+                  <a:schemeClr val="tx1"/>
+                </a:solidFill>
+              </a:rPr>
+              <a:t>Ask user to change the environment and try again.</a:t>
+            </a:r>
+            <a:endParaRPr lang="da-DK" sz="1200" dirty="0">
+              <a:solidFill>
+                <a:schemeClr val="tx1"/>
+              </a:solidFill>
+            </a:endParaRPr>
+          </a:p>
+        </p:txBody>
+      </p:sp>
       <p:cxnSp>
         <p:nvCxnSpPr>
-          <p:cNvPr id="10" name="Straight Arrow Connector 9"/>
+          <p:cNvPr id="15" name="Straight Arrow Connector 14"/>
           <p:cNvCxnSpPr>
-            <a:stCxn id="4" idx="2"/>
-            <a:endCxn id="5" idx="0"/>
+            <a:stCxn id="3" idx="2"/>
+            <a:endCxn id="17" idx="0"/>
           </p:cNvCxnSpPr>
           <p:nvPr/>
         </p:nvCxnSpPr>
         <p:spPr>
           <a:xfrm>
-            <a:off x="2951820" y="1340768"/>
-            <a:ext cx="0" cy="504056"/>
+            <a:off x="1001015" y="1700808"/>
+            <a:ext cx="944" cy="288032"/>
           </a:xfrm>
           <a:prstGeom prst="straightConnector1">
             <a:avLst/>
@@ -3318,62 +3345,83 @@
           </a:ln>
         </p:spPr>
         <p:style>
-          <a:lnRef idx="1">
+          <a:lnRef idx="2">
             <a:schemeClr val="accent1"/>
           </a:lnRef>
-          <a:fillRef idx="0">
-            <a:schemeClr val="accent1"/>
+          <a:fillRef idx="1">
+            <a:schemeClr val="lt1"/>
           </a:fillRef>
           <a:effectRef idx="0">
             <a:schemeClr val="accent1"/>
           </a:effectRef>
           <a:fontRef idx="minor">
-            <a:schemeClr val="tx1"/>
+            <a:schemeClr val="dk1"/>
           </a:fontRef>
         </p:style>
       </p:cxnSp>
       <p:sp>
         <p:nvSpPr>
-          <p:cNvPr id="11" name="TextBox 10"/>
-          <p:cNvSpPr txBox="1"/>
+          <p:cNvPr id="23" name="Flowchart: Process 22"/>
+          <p:cNvSpPr/>
           <p:nvPr/>
         </p:nvSpPr>
         <p:spPr>
           <a:xfrm>
-            <a:off x="3521560" y="1844805"/>
-            <a:ext cx="378630" cy="261610"/>
+            <a:off x="2300035" y="1016428"/>
+            <a:ext cx="1296144" cy="576672"/>
           </a:xfrm>
-          <a:prstGeom prst="rect">
+          <a:prstGeom prst="flowChartProcess">
             <a:avLst/>
           </a:prstGeom>
-          <a:noFill/>
         </p:spPr>
-        <p:txBody>
-          <a:bodyPr wrap="none" rtlCol="0">
-            <a:spAutoFit/>
-          </a:bodyPr>
-          <a:lstStyle/>
-          <a:p>
-            <a:r>
-              <a:rPr lang="da-DK" sz="1100" dirty="0" smtClean="0"/>
-              <a:t>Yes</a:t>
-            </a:r>
-            <a:endParaRPr lang="da-DK" sz="1100" dirty="0"/>
+        <p:style>
+          <a:lnRef idx="2">
+            <a:schemeClr val="accent1"/>
+          </a:lnRef>
+          <a:fillRef idx="1">
+            <a:schemeClr val="lt1"/>
+          </a:fillRef>
+          <a:effectRef idx="0">
+            <a:schemeClr val="accent1"/>
+          </a:effectRef>
+          <a:fontRef idx="minor">
+            <a:schemeClr val="dk1"/>
+          </a:fontRef>
+        </p:style>
+        <p:txBody>
+          <a:bodyPr rtlCol="0" anchor="ctr"/>
+          <a:lstStyle/>
+          <a:p>
+            <a:pPr algn="ctr"/>
+            <a:r>
+              <a:rPr lang="da-DK" sz="1200" dirty="0" smtClean="0">
+                <a:solidFill>
+                  <a:schemeClr val="tx1"/>
+                </a:solidFill>
+              </a:rPr>
+              <a:t>Calibrate balls</a:t>
+            </a:r>
+            <a:endParaRPr lang="da-DK" sz="1200" dirty="0">
+              <a:solidFill>
+                <a:schemeClr val="tx1"/>
+              </a:solidFill>
+            </a:endParaRPr>
           </a:p>
         </p:txBody>
       </p:sp>
       <p:cxnSp>
         <p:nvCxnSpPr>
-          <p:cNvPr id="21" name="Straight Arrow Connector 20"/>
+          <p:cNvPr id="30" name="Straight Arrow Connector 29"/>
           <p:cNvCxnSpPr>
-            <a:stCxn id="5" idx="2"/>
+            <a:stCxn id="3" idx="3"/>
+            <a:endCxn id="23" idx="1"/>
           </p:cNvCxnSpPr>
           <p:nvPr/>
         </p:nvCxnSpPr>
         <p:spPr>
           <a:xfrm>
-            <a:off x="2951820" y="2348880"/>
-            <a:ext cx="0" cy="216024"/>
+            <a:off x="1875693" y="1304764"/>
+            <a:ext cx="424342" cy="0"/>
           </a:xfrm>
           <a:prstGeom prst="straightConnector1">
             <a:avLst/>
@@ -3383,72 +3431,113 @@
           </a:ln>
         </p:spPr>
         <p:style>
-          <a:lnRef idx="1">
+          <a:lnRef idx="2">
             <a:schemeClr val="accent1"/>
           </a:lnRef>
-          <a:fillRef idx="0">
-            <a:schemeClr val="accent1"/>
+          <a:fillRef idx="1">
+            <a:schemeClr val="lt1"/>
           </a:fillRef>
           <a:effectRef idx="0">
             <a:schemeClr val="accent1"/>
           </a:effectRef>
           <a:fontRef idx="minor">
-            <a:schemeClr val="tx1"/>
+            <a:schemeClr val="dk1"/>
           </a:fontRef>
         </p:style>
       </p:cxnSp>
-      <p:sp>
-        <p:nvSpPr>
-          <p:cNvPr id="22" name="Flowchart: Alternate Process 21"/>
-          <p:cNvSpPr/>
+      <p:cxnSp>
+        <p:nvCxnSpPr>
+          <p:cNvPr id="32" name="Straight Arrow Connector 31"/>
+          <p:cNvCxnSpPr>
+            <a:stCxn id="23" idx="3"/>
+            <a:endCxn id="16" idx="1"/>
+          </p:cNvCxnSpPr>
           <p:nvPr/>
-        </p:nvSpPr>
+        </p:nvCxnSpPr>
         <p:spPr>
           <a:xfrm>
-            <a:off x="2339752" y="2564904"/>
-            <a:ext cx="1224136" cy="648072"/>
+            <a:off x="3596179" y="1304764"/>
+            <a:ext cx="255741" cy="0"/>
           </a:xfrm>
-          <a:prstGeom prst="flowChartAlternateProcess">
+          <a:prstGeom prst="straightConnector1">
             <a:avLst/>
           </a:prstGeom>
-          <a:solidFill>
-            <a:schemeClr val="bg1"/>
-          </a:solidFill>
+          <a:ln>
+            <a:tailEnd type="arrow"/>
+          </a:ln>
         </p:spPr>
         <p:style>
           <a:lnRef idx="2">
-            <a:schemeClr val="accent1">
-              <a:shade val="50000"/>
-            </a:schemeClr>
+            <a:schemeClr val="accent1"/>
           </a:lnRef>
           <a:fillRef idx="1">
-            <a:schemeClr val="accent1"/>
+            <a:schemeClr val="lt1"/>
           </a:fillRef>
           <a:effectRef idx="0">
             <a:schemeClr val="accent1"/>
           </a:effectRef>
           <a:fontRef idx="minor">
-            <a:schemeClr val="lt1"/>
+            <a:schemeClr val="dk1"/>
           </a:fontRef>
         </p:style>
-        <p:txBody>
-          <a:bodyPr rtlCol="0" anchor="ctr"/>
-          <a:lstStyle/>
-          <a:p>
-            <a:pPr algn="ctr"/>
-            <a:r>
-              <a:rPr lang="da-DK" sz="1100" dirty="0" smtClean="0">
-                <a:solidFill>
-                  <a:schemeClr val="tx1"/>
-                </a:solidFill>
-              </a:rPr>
-              <a:t>Ask user to change the environment and try again.</a:t>
-            </a:r>
-            <a:endParaRPr lang="da-DK" sz="1100" dirty="0">
-              <a:solidFill>
-                <a:schemeClr val="tx1"/>
-              </a:solidFill>
-            </a:endParaRPr>
+      </p:cxnSp>
+      <p:sp>
+        <p:nvSpPr>
+          <p:cNvPr id="34" name="TextBox 33"/>
+          <p:cNvSpPr txBox="1"/>
+          <p:nvPr/>
+        </p:nvSpPr>
+        <p:spPr>
+          <a:xfrm>
+            <a:off x="1831813" y="1012644"/>
+            <a:ext cx="378630" cy="261610"/>
+          </a:xfrm>
+          <a:prstGeom prst="rect">
+            <a:avLst/>
+          </a:prstGeom>
+          <a:noFill/>
+        </p:spPr>
+        <p:txBody>
+          <a:bodyPr wrap="none" rtlCol="0">
+            <a:spAutoFit/>
+          </a:bodyPr>
+          <a:lstStyle/>
+          <a:p>
+            <a:r>
+              <a:rPr lang="da-DK" sz="1100" dirty="0" smtClean="0"/>
+              <a:t>Yes</a:t>
+            </a:r>
+            <a:endParaRPr lang="da-DK" sz="1100" dirty="0"/>
+          </a:p>
+        </p:txBody>
+      </p:sp>
+      <p:sp>
+        <p:nvSpPr>
+          <p:cNvPr id="35" name="TextBox 34"/>
+          <p:cNvSpPr txBox="1"/>
+          <p:nvPr/>
+        </p:nvSpPr>
+        <p:spPr>
+          <a:xfrm>
+            <a:off x="1146450" y="1693358"/>
+            <a:ext cx="349776" cy="261610"/>
+          </a:xfrm>
+          <a:prstGeom prst="rect">
+            <a:avLst/>
+          </a:prstGeom>
+          <a:noFill/>
+        </p:spPr>
+        <p:txBody>
+          <a:bodyPr wrap="none" rtlCol="0">
+            <a:spAutoFit/>
+          </a:bodyPr>
+          <a:lstStyle/>
+          <a:p>
+            <a:r>
+              <a:rPr lang="da-DK" sz="1100" dirty="0" smtClean="0"/>
+              <a:t>No</a:t>
+            </a:r>
+            <a:endParaRPr lang="da-DK" sz="1100" dirty="0"/>
           </a:p>
         </p:txBody>
       </p:sp>

--- a/rapport/images/calib_flowchart.pptx
+++ b/rapport/images/calib_flowchart.pptx
@@ -288,7 +288,7 @@
           <a:p>
             <a:fld id="{5AFB1C9F-04FC-4952-BBC2-7B28DF84A943}" type="datetimeFigureOut">
               <a:rPr lang="da-DK" smtClean="0"/>
-              <a:t>10-05-2011</a:t>
+              <a:t>12-05-2011</a:t>
             </a:fld>
             <a:endParaRPr lang="da-DK"/>
           </a:p>
@@ -458,7 +458,7 @@
           <a:p>
             <a:fld id="{5AFB1C9F-04FC-4952-BBC2-7B28DF84A943}" type="datetimeFigureOut">
               <a:rPr lang="da-DK" smtClean="0"/>
-              <a:t>10-05-2011</a:t>
+              <a:t>12-05-2011</a:t>
             </a:fld>
             <a:endParaRPr lang="da-DK"/>
           </a:p>
@@ -638,7 +638,7 @@
           <a:p>
             <a:fld id="{5AFB1C9F-04FC-4952-BBC2-7B28DF84A943}" type="datetimeFigureOut">
               <a:rPr lang="da-DK" smtClean="0"/>
-              <a:t>10-05-2011</a:t>
+              <a:t>12-05-2011</a:t>
             </a:fld>
             <a:endParaRPr lang="da-DK"/>
           </a:p>
@@ -808,7 +808,7 @@
           <a:p>
             <a:fld id="{5AFB1C9F-04FC-4952-BBC2-7B28DF84A943}" type="datetimeFigureOut">
               <a:rPr lang="da-DK" smtClean="0"/>
-              <a:t>10-05-2011</a:t>
+              <a:t>12-05-2011</a:t>
             </a:fld>
             <a:endParaRPr lang="da-DK"/>
           </a:p>
@@ -1054,7 +1054,7 @@
           <a:p>
             <a:fld id="{5AFB1C9F-04FC-4952-BBC2-7B28DF84A943}" type="datetimeFigureOut">
               <a:rPr lang="da-DK" smtClean="0"/>
-              <a:t>10-05-2011</a:t>
+              <a:t>12-05-2011</a:t>
             </a:fld>
             <a:endParaRPr lang="da-DK"/>
           </a:p>
@@ -1342,7 +1342,7 @@
           <a:p>
             <a:fld id="{5AFB1C9F-04FC-4952-BBC2-7B28DF84A943}" type="datetimeFigureOut">
               <a:rPr lang="da-DK" smtClean="0"/>
-              <a:t>10-05-2011</a:t>
+              <a:t>12-05-2011</a:t>
             </a:fld>
             <a:endParaRPr lang="da-DK"/>
           </a:p>
@@ -1764,7 +1764,7 @@
           <a:p>
             <a:fld id="{5AFB1C9F-04FC-4952-BBC2-7B28DF84A943}" type="datetimeFigureOut">
               <a:rPr lang="da-DK" smtClean="0"/>
-              <a:t>10-05-2011</a:t>
+              <a:t>12-05-2011</a:t>
             </a:fld>
             <a:endParaRPr lang="da-DK"/>
           </a:p>
@@ -1882,7 +1882,7 @@
           <a:p>
             <a:fld id="{5AFB1C9F-04FC-4952-BBC2-7B28DF84A943}" type="datetimeFigureOut">
               <a:rPr lang="da-DK" smtClean="0"/>
-              <a:t>10-05-2011</a:t>
+              <a:t>12-05-2011</a:t>
             </a:fld>
             <a:endParaRPr lang="da-DK"/>
           </a:p>
@@ -1977,7 +1977,7 @@
           <a:p>
             <a:fld id="{5AFB1C9F-04FC-4952-BBC2-7B28DF84A943}" type="datetimeFigureOut">
               <a:rPr lang="da-DK" smtClean="0"/>
-              <a:t>10-05-2011</a:t>
+              <a:t>12-05-2011</a:t>
             </a:fld>
             <a:endParaRPr lang="da-DK"/>
           </a:p>
@@ -2254,7 +2254,7 @@
           <a:p>
             <a:fld id="{5AFB1C9F-04FC-4952-BBC2-7B28DF84A943}" type="datetimeFigureOut">
               <a:rPr lang="da-DK" smtClean="0"/>
-              <a:t>10-05-2011</a:t>
+              <a:t>12-05-2011</a:t>
             </a:fld>
             <a:endParaRPr lang="da-DK"/>
           </a:p>
@@ -2507,7 +2507,7 @@
           <a:p>
             <a:fld id="{5AFB1C9F-04FC-4952-BBC2-7B28DF84A943}" type="datetimeFigureOut">
               <a:rPr lang="da-DK" smtClean="0"/>
-              <a:t>10-05-2011</a:t>
+              <a:t>12-05-2011</a:t>
             </a:fld>
             <a:endParaRPr lang="da-DK"/>
           </a:p>
@@ -2720,7 +2720,7 @@
           <a:p>
             <a:fld id="{5AFB1C9F-04FC-4952-BBC2-7B28DF84A943}" type="datetimeFigureOut">
               <a:rPr lang="da-DK" smtClean="0"/>
-              <a:t>10-05-2011</a:t>
+              <a:t>12-05-2011</a:t>
             </a:fld>
             <a:endParaRPr lang="da-DK"/>
           </a:p>
@@ -3097,13 +3097,184 @@
       </p:grpSpPr>
       <p:sp>
         <p:nvSpPr>
-          <p:cNvPr id="2" name="Flowchart: Process 1"/>
+          <p:cNvPr id="3" name="Flowchart: Decision 2"/>
           <p:cNvSpPr/>
           <p:nvPr/>
         </p:nvSpPr>
         <p:spPr>
           <a:xfrm>
-            <a:off x="352943" y="116632"/>
+            <a:off x="496015" y="908720"/>
+            <a:ext cx="1749356" cy="792088"/>
+          </a:xfrm>
+          <a:prstGeom prst="flowChartDecision">
+            <a:avLst/>
+          </a:prstGeom>
+        </p:spPr>
+        <p:style>
+          <a:lnRef idx="2">
+            <a:schemeClr val="accent1"/>
+          </a:lnRef>
+          <a:fillRef idx="1">
+            <a:schemeClr val="lt1"/>
+          </a:fillRef>
+          <a:effectRef idx="0">
+            <a:schemeClr val="accent1"/>
+          </a:effectRef>
+          <a:fontRef idx="minor">
+            <a:schemeClr val="dk1"/>
+          </a:fontRef>
+        </p:style>
+        <p:txBody>
+          <a:bodyPr rtlCol="0" anchor="ctr"/>
+          <a:lstStyle/>
+          <a:p>
+            <a:pPr algn="ctr"/>
+            <a:r>
+              <a:rPr lang="da-DK" sz="1200" dirty="0" smtClean="0"/>
+              <a:t>Table detected?</a:t>
+            </a:r>
+            <a:endParaRPr lang="da-DK" sz="1200" dirty="0"/>
+          </a:p>
+        </p:txBody>
+      </p:sp>
+      <p:cxnSp>
+        <p:nvCxnSpPr>
+          <p:cNvPr id="9" name="Straight Arrow Connector 8"/>
+          <p:cNvCxnSpPr>
+            <a:endCxn id="3" idx="0"/>
+          </p:cNvCxnSpPr>
+          <p:nvPr/>
+        </p:nvCxnSpPr>
+        <p:spPr>
+          <a:xfrm>
+            <a:off x="1370693" y="693304"/>
+            <a:ext cx="0" cy="215416"/>
+          </a:xfrm>
+          <a:prstGeom prst="straightConnector1">
+            <a:avLst/>
+          </a:prstGeom>
+          <a:ln w="3175">
+            <a:tailEnd type="arrow"/>
+          </a:ln>
+        </p:spPr>
+        <p:style>
+          <a:lnRef idx="2">
+            <a:schemeClr val="accent1"/>
+          </a:lnRef>
+          <a:fillRef idx="1">
+            <a:schemeClr val="lt1"/>
+          </a:fillRef>
+          <a:effectRef idx="0">
+            <a:schemeClr val="accent1"/>
+          </a:effectRef>
+          <a:fontRef idx="minor">
+            <a:schemeClr val="dk1"/>
+          </a:fontRef>
+        </p:style>
+      </p:cxnSp>
+      <p:sp>
+        <p:nvSpPr>
+          <p:cNvPr id="17" name="Flowchart: Process 16"/>
+          <p:cNvSpPr/>
+          <p:nvPr/>
+        </p:nvSpPr>
+        <p:spPr>
+          <a:xfrm>
+            <a:off x="723565" y="1988840"/>
+            <a:ext cx="1296144" cy="720080"/>
+          </a:xfrm>
+          <a:prstGeom prst="flowChartProcess">
+            <a:avLst/>
+          </a:prstGeom>
+        </p:spPr>
+        <p:style>
+          <a:lnRef idx="2">
+            <a:schemeClr val="accent1"/>
+          </a:lnRef>
+          <a:fillRef idx="1">
+            <a:schemeClr val="lt1"/>
+          </a:fillRef>
+          <a:effectRef idx="0">
+            <a:schemeClr val="accent1"/>
+          </a:effectRef>
+          <a:fontRef idx="minor">
+            <a:schemeClr val="dk1"/>
+          </a:fontRef>
+        </p:style>
+        <p:txBody>
+          <a:bodyPr rtlCol="0" anchor="ctr"/>
+          <a:lstStyle/>
+          <a:p>
+            <a:pPr algn="ctr"/>
+            <a:r>
+              <a:rPr lang="da-DK" sz="1200" dirty="0">
+                <a:solidFill>
+                  <a:schemeClr val="tx1"/>
+                </a:solidFill>
+              </a:rPr>
+              <a:t>Ask user to change the environment and try </a:t>
+            </a:r>
+            <a:r>
+              <a:rPr lang="da-DK" sz="1200" dirty="0" smtClean="0">
+                <a:solidFill>
+                  <a:schemeClr val="tx1"/>
+                </a:solidFill>
+              </a:rPr>
+              <a:t>again</a:t>
+            </a:r>
+            <a:endParaRPr lang="da-DK" sz="1200" dirty="0">
+              <a:solidFill>
+                <a:schemeClr val="tx1"/>
+              </a:solidFill>
+            </a:endParaRPr>
+          </a:p>
+        </p:txBody>
+      </p:sp>
+      <p:cxnSp>
+        <p:nvCxnSpPr>
+          <p:cNvPr id="15" name="Straight Arrow Connector 14"/>
+          <p:cNvCxnSpPr>
+            <a:stCxn id="3" idx="2"/>
+            <a:endCxn id="17" idx="0"/>
+          </p:cNvCxnSpPr>
+          <p:nvPr/>
+        </p:nvCxnSpPr>
+        <p:spPr>
+          <a:xfrm>
+            <a:off x="1370693" y="1700808"/>
+            <a:ext cx="944" cy="288032"/>
+          </a:xfrm>
+          <a:prstGeom prst="straightConnector1">
+            <a:avLst/>
+          </a:prstGeom>
+          <a:ln w="3175">
+            <a:tailEnd type="arrow"/>
+          </a:ln>
+        </p:spPr>
+        <p:style>
+          <a:lnRef idx="2">
+            <a:schemeClr val="accent1"/>
+          </a:lnRef>
+          <a:fillRef idx="1">
+            <a:schemeClr val="lt1"/>
+          </a:fillRef>
+          <a:effectRef idx="0">
+            <a:schemeClr val="accent1"/>
+          </a:effectRef>
+          <a:fontRef idx="minor">
+            <a:schemeClr val="dk1"/>
+          </a:fontRef>
+        </p:style>
+      </p:cxnSp>
+      <p:sp>
+        <p:nvSpPr>
+          <p:cNvPr id="23" name="Flowchart: Process 22"/>
+          <p:cNvSpPr/>
+          <p:nvPr/>
+        </p:nvSpPr>
+        <p:spPr>
+          <a:xfrm>
+            <a:off x="2669713" y="1016428"/>
             <a:ext cx="1296144" cy="576672"/>
           </a:xfrm>
           <a:prstGeom prst="flowChartProcess">
@@ -3130,12 +3301,12 @@
           <a:p>
             <a:pPr algn="ctr"/>
             <a:r>
-              <a:rPr lang="da-DK" sz="1200" dirty="0">
+              <a:rPr lang="da-DK" sz="1200" dirty="0" smtClean="0">
                 <a:solidFill>
                   <a:schemeClr val="tx1"/>
                 </a:solidFill>
               </a:rPr>
-              <a:t>Calibration start</a:t>
+              <a:t>User identifies balls</a:t>
             </a:r>
             <a:endParaRPr lang="da-DK" sz="1200" dirty="0">
               <a:solidFill>
@@ -3145,66 +3316,24 @@
           </a:p>
         </p:txBody>
       </p:sp>
-      <p:sp>
-        <p:nvSpPr>
-          <p:cNvPr id="3" name="Flowchart: Decision 2"/>
-          <p:cNvSpPr/>
-          <p:nvPr/>
-        </p:nvSpPr>
-        <p:spPr>
-          <a:xfrm>
-            <a:off x="126337" y="908720"/>
-            <a:ext cx="1749356" cy="792088"/>
-          </a:xfrm>
-          <a:prstGeom prst="flowChartDecision">
-            <a:avLst/>
-          </a:prstGeom>
-        </p:spPr>
-        <p:style>
-          <a:lnRef idx="2">
-            <a:schemeClr val="accent1"/>
-          </a:lnRef>
-          <a:fillRef idx="1">
-            <a:schemeClr val="lt1"/>
-          </a:fillRef>
-          <a:effectRef idx="0">
-            <a:schemeClr val="accent1"/>
-          </a:effectRef>
-          <a:fontRef idx="minor">
-            <a:schemeClr val="dk1"/>
-          </a:fontRef>
-        </p:style>
-        <p:txBody>
-          <a:bodyPr rtlCol="0" anchor="ctr"/>
-          <a:lstStyle/>
-          <a:p>
-            <a:pPr algn="ctr"/>
-            <a:r>
-              <a:rPr lang="da-DK" sz="1200" dirty="0" smtClean="0"/>
-              <a:t>Table detected?</a:t>
-            </a:r>
-            <a:endParaRPr lang="da-DK" sz="1200" dirty="0"/>
-          </a:p>
-        </p:txBody>
-      </p:sp>
       <p:cxnSp>
         <p:nvCxnSpPr>
-          <p:cNvPr id="9" name="Straight Arrow Connector 8"/>
+          <p:cNvPr id="30" name="Straight Arrow Connector 29"/>
           <p:cNvCxnSpPr>
-            <a:stCxn id="2" idx="2"/>
-            <a:endCxn id="3" idx="0"/>
+            <a:stCxn id="3" idx="3"/>
+            <a:endCxn id="23" idx="1"/>
           </p:cNvCxnSpPr>
           <p:nvPr/>
         </p:nvCxnSpPr>
         <p:spPr>
           <a:xfrm>
-            <a:off x="1001015" y="693304"/>
-            <a:ext cx="0" cy="215416"/>
+            <a:off x="2245371" y="1304764"/>
+            <a:ext cx="424342" cy="0"/>
           </a:xfrm>
           <a:prstGeom prst="straightConnector1">
             <a:avLst/>
           </a:prstGeom>
-          <a:ln>
+          <a:ln w="3175">
             <a:tailEnd type="arrow"/>
           </a:ln>
         </p:spPr>
@@ -3225,16 +3354,76 @@
       </p:cxnSp>
       <p:sp>
         <p:nvSpPr>
-          <p:cNvPr id="16" name="Flowchart: Process 15"/>
+          <p:cNvPr id="34" name="TextBox 33"/>
+          <p:cNvSpPr txBox="1"/>
+          <p:nvPr/>
+        </p:nvSpPr>
+        <p:spPr>
+          <a:xfrm>
+            <a:off x="2235938" y="1012644"/>
+            <a:ext cx="378630" cy="261610"/>
+          </a:xfrm>
+          <a:prstGeom prst="rect">
+            <a:avLst/>
+          </a:prstGeom>
+          <a:noFill/>
+        </p:spPr>
+        <p:txBody>
+          <a:bodyPr wrap="none" rtlCol="0">
+            <a:spAutoFit/>
+          </a:bodyPr>
+          <a:lstStyle/>
+          <a:p>
+            <a:r>
+              <a:rPr lang="da-DK" sz="1100" dirty="0" smtClean="0"/>
+              <a:t>Yes</a:t>
+            </a:r>
+            <a:endParaRPr lang="da-DK" sz="1100" dirty="0"/>
+          </a:p>
+        </p:txBody>
+      </p:sp>
+      <p:sp>
+        <p:nvSpPr>
+          <p:cNvPr id="35" name="TextBox 34"/>
+          <p:cNvSpPr txBox="1"/>
+          <p:nvPr/>
+        </p:nvSpPr>
+        <p:spPr>
+          <a:xfrm>
+            <a:off x="1371637" y="1689191"/>
+            <a:ext cx="349776" cy="261610"/>
+          </a:xfrm>
+          <a:prstGeom prst="rect">
+            <a:avLst/>
+          </a:prstGeom>
+          <a:noFill/>
+        </p:spPr>
+        <p:txBody>
+          <a:bodyPr wrap="none" rtlCol="0">
+            <a:spAutoFit/>
+          </a:bodyPr>
+          <a:lstStyle/>
+          <a:p>
+            <a:r>
+              <a:rPr lang="da-DK" sz="1100" dirty="0" smtClean="0"/>
+              <a:t>No</a:t>
+            </a:r>
+            <a:endParaRPr lang="da-DK" sz="1100" dirty="0"/>
+          </a:p>
+        </p:txBody>
+      </p:sp>
+      <p:sp>
+        <p:nvSpPr>
+          <p:cNvPr id="5" name="Flowchart: Alternate Process 4"/>
           <p:cNvSpPr/>
           <p:nvPr/>
         </p:nvSpPr>
         <p:spPr>
           <a:xfrm>
-            <a:off x="3851920" y="1016428"/>
-            <a:ext cx="1296144" cy="576672"/>
+            <a:off x="867581" y="117240"/>
+            <a:ext cx="1008112" cy="576064"/>
           </a:xfrm>
-          <a:prstGeom prst="flowChartProcess">
+          <a:prstGeom prst="flowChartAlternateProcess">
             <a:avLst/>
           </a:prstGeom>
         </p:spPr>
@@ -3258,12 +3447,12 @@
           <a:p>
             <a:pPr algn="ctr"/>
             <a:r>
-              <a:rPr lang="da-DK" sz="1200" dirty="0" smtClean="0">
+              <a:rPr lang="da-DK" sz="1200" dirty="0">
                 <a:solidFill>
                   <a:schemeClr val="tx1"/>
                 </a:solidFill>
               </a:rPr>
-              <a:t>Save data in config file</a:t>
+              <a:t>Calibration start</a:t>
             </a:r>
             <a:endParaRPr lang="da-DK" sz="1200" dirty="0">
               <a:solidFill>
@@ -3273,18 +3462,56 @@
           </a:p>
         </p:txBody>
       </p:sp>
-      <p:sp>
-        <p:nvSpPr>
-          <p:cNvPr id="17" name="Flowchart: Process 16"/>
+      <p:cxnSp>
+        <p:nvCxnSpPr>
+          <p:cNvPr id="7" name="Elbow Connector 6"/>
+          <p:cNvCxnSpPr>
+            <a:stCxn id="17" idx="1"/>
+            <a:endCxn id="3" idx="1"/>
+          </p:cNvCxnSpPr>
+          <p:nvPr/>
+        </p:nvCxnSpPr>
+        <p:spPr>
+          <a:xfrm rot="10800000">
+            <a:off x="496015" y="1304764"/>
+            <a:ext cx="227550" cy="1044116"/>
+          </a:xfrm>
+          <a:prstGeom prst="bentConnector3">
+            <a:avLst>
+              <a:gd name="adj1" fmla="val 200461"/>
+            </a:avLst>
+          </a:prstGeom>
+          <a:ln>
+            <a:tailEnd type="arrow"/>
+          </a:ln>
+        </p:spPr>
+        <p:style>
+          <a:lnRef idx="1">
+            <a:schemeClr val="accent1"/>
+          </a:lnRef>
+          <a:fillRef idx="0">
+            <a:schemeClr val="accent1"/>
+          </a:fillRef>
+          <a:effectRef idx="0">
+            <a:schemeClr val="accent1"/>
+          </a:effectRef>
+          <a:fontRef idx="minor">
+            <a:schemeClr val="tx1"/>
+          </a:fontRef>
+        </p:style>
+      </p:cxnSp>
+      <p:sp>
+        <p:nvSpPr>
+          <p:cNvPr id="18" name="Flowchart: Alternate Process 17"/>
           <p:cNvSpPr/>
           <p:nvPr/>
         </p:nvSpPr>
         <p:spPr>
           <a:xfrm>
-            <a:off x="353887" y="1988840"/>
-            <a:ext cx="1296144" cy="720080"/>
+            <a:off x="4221598" y="1016428"/>
+            <a:ext cx="1008112" cy="576064"/>
           </a:xfrm>
-          <a:prstGeom prst="flowChartProcess">
+          <a:prstGeom prst="flowChartAlternateProcess">
             <a:avLst/>
           </a:prstGeom>
         </p:spPr>
@@ -3313,7 +3540,7 @@
                   <a:schemeClr val="tx1"/>
                 </a:solidFill>
               </a:rPr>
-              <a:t>Ask user to change the environment and try again.</a:t>
+              <a:t>Save data in config file</a:t>
             </a:r>
             <a:endParaRPr lang="da-DK" sz="1200" dirty="0">
               <a:solidFill>
@@ -3325,17 +3552,17 @@
       </p:sp>
       <p:cxnSp>
         <p:nvCxnSpPr>
-          <p:cNvPr id="15" name="Straight Arrow Connector 14"/>
+          <p:cNvPr id="11" name="Straight Arrow Connector 10"/>
           <p:cNvCxnSpPr>
-            <a:stCxn id="3" idx="2"/>
-            <a:endCxn id="17" idx="0"/>
+            <a:stCxn id="23" idx="3"/>
+            <a:endCxn id="18" idx="1"/>
           </p:cNvCxnSpPr>
           <p:nvPr/>
         </p:nvCxnSpPr>
         <p:spPr>
-          <a:xfrm>
-            <a:off x="1001015" y="1700808"/>
-            <a:ext cx="944" cy="288032"/>
+          <a:xfrm flipV="1">
+            <a:off x="3965857" y="1304460"/>
+            <a:ext cx="255741" cy="304"/>
           </a:xfrm>
           <a:prstGeom prst="straightConnector1">
             <a:avLst/>
@@ -3345,202 +3572,20 @@
           </a:ln>
         </p:spPr>
         <p:style>
-          <a:lnRef idx="2">
+          <a:lnRef idx="1">
             <a:schemeClr val="accent1"/>
           </a:lnRef>
-          <a:fillRef idx="1">
-            <a:schemeClr val="lt1"/>
+          <a:fillRef idx="0">
+            <a:schemeClr val="accent1"/>
           </a:fillRef>
           <a:effectRef idx="0">
             <a:schemeClr val="accent1"/>
           </a:effectRef>
           <a:fontRef idx="minor">
-            <a:schemeClr val="dk1"/>
+            <a:schemeClr val="tx1"/>
           </a:fontRef>
         </p:style>
       </p:cxnSp>
-      <p:sp>
-        <p:nvSpPr>
-          <p:cNvPr id="23" name="Flowchart: Process 22"/>
-          <p:cNvSpPr/>
-          <p:nvPr/>
-        </p:nvSpPr>
-        <p:spPr>
-          <a:xfrm>
-            <a:off x="2300035" y="1016428"/>
-            <a:ext cx="1296144" cy="576672"/>
-          </a:xfrm>
-          <a:prstGeom prst="flowChartProcess">
-            <a:avLst/>
-          </a:prstGeom>
-        </p:spPr>
-        <p:style>
-          <a:lnRef idx="2">
-            <a:schemeClr val="accent1"/>
-          </a:lnRef>
-          <a:fillRef idx="1">
-            <a:schemeClr val="lt1"/>
-          </a:fillRef>
-          <a:effectRef idx="0">
-            <a:schemeClr val="accent1"/>
-          </a:effectRef>
-          <a:fontRef idx="minor">
-            <a:schemeClr val="dk1"/>
-          </a:fontRef>
-        </p:style>
-        <p:txBody>
-          <a:bodyPr rtlCol="0" anchor="ctr"/>
-          <a:lstStyle/>
-          <a:p>
-            <a:pPr algn="ctr"/>
-            <a:r>
-              <a:rPr lang="da-DK" sz="1200" dirty="0" smtClean="0">
-                <a:solidFill>
-                  <a:schemeClr val="tx1"/>
-                </a:solidFill>
-              </a:rPr>
-              <a:t>Calibrate balls</a:t>
-            </a:r>
-            <a:endParaRPr lang="da-DK" sz="1200" dirty="0">
-              <a:solidFill>
-                <a:schemeClr val="tx1"/>
-              </a:solidFill>
-            </a:endParaRPr>
-          </a:p>
-        </p:txBody>
-      </p:sp>
-      <p:cxnSp>
-        <p:nvCxnSpPr>
-          <p:cNvPr id="30" name="Straight Arrow Connector 29"/>
-          <p:cNvCxnSpPr>
-            <a:stCxn id="3" idx="3"/>
-            <a:endCxn id="23" idx="1"/>
-          </p:cNvCxnSpPr>
-          <p:nvPr/>
-        </p:nvCxnSpPr>
-        <p:spPr>
-          <a:xfrm>
-            <a:off x="1875693" y="1304764"/>
-            <a:ext cx="424342" cy="0"/>
-          </a:xfrm>
-          <a:prstGeom prst="straightConnector1">
-            <a:avLst/>
-          </a:prstGeom>
-          <a:ln>
-            <a:tailEnd type="arrow"/>
-          </a:ln>
-        </p:spPr>
-        <p:style>
-          <a:lnRef idx="2">
-            <a:schemeClr val="accent1"/>
-          </a:lnRef>
-          <a:fillRef idx="1">
-            <a:schemeClr val="lt1"/>
-          </a:fillRef>
-          <a:effectRef idx="0">
-            <a:schemeClr val="accent1"/>
-          </a:effectRef>
-          <a:fontRef idx="minor">
-            <a:schemeClr val="dk1"/>
-          </a:fontRef>
-        </p:style>
-      </p:cxnSp>
-      <p:cxnSp>
-        <p:nvCxnSpPr>
-          <p:cNvPr id="32" name="Straight Arrow Connector 31"/>
-          <p:cNvCxnSpPr>
-            <a:stCxn id="23" idx="3"/>
-            <a:endCxn id="16" idx="1"/>
-          </p:cNvCxnSpPr>
-          <p:nvPr/>
-        </p:nvCxnSpPr>
-        <p:spPr>
-          <a:xfrm>
-            <a:off x="3596179" y="1304764"/>
-            <a:ext cx="255741" cy="0"/>
-          </a:xfrm>
-          <a:prstGeom prst="straightConnector1">
-            <a:avLst/>
-          </a:prstGeom>
-          <a:ln>
-            <a:tailEnd type="arrow"/>
-          </a:ln>
-        </p:spPr>
-        <p:style>
-          <a:lnRef idx="2">
-            <a:schemeClr val="accent1"/>
-          </a:lnRef>
-          <a:fillRef idx="1">
-            <a:schemeClr val="lt1"/>
-          </a:fillRef>
-          <a:effectRef idx="0">
-            <a:schemeClr val="accent1"/>
-          </a:effectRef>
-          <a:fontRef idx="minor">
-            <a:schemeClr val="dk1"/>
-          </a:fontRef>
-        </p:style>
-      </p:cxnSp>
-      <p:sp>
-        <p:nvSpPr>
-          <p:cNvPr id="34" name="TextBox 33"/>
-          <p:cNvSpPr txBox="1"/>
-          <p:nvPr/>
-        </p:nvSpPr>
-        <p:spPr>
-          <a:xfrm>
-            <a:off x="1831813" y="1012644"/>
-            <a:ext cx="378630" cy="261610"/>
-          </a:xfrm>
-          <a:prstGeom prst="rect">
-            <a:avLst/>
-          </a:prstGeom>
-          <a:noFill/>
-        </p:spPr>
-        <p:txBody>
-          <a:bodyPr wrap="none" rtlCol="0">
-            <a:spAutoFit/>
-          </a:bodyPr>
-          <a:lstStyle/>
-          <a:p>
-            <a:r>
-              <a:rPr lang="da-DK" sz="1100" dirty="0" smtClean="0"/>
-              <a:t>Yes</a:t>
-            </a:r>
-            <a:endParaRPr lang="da-DK" sz="1100" dirty="0"/>
-          </a:p>
-        </p:txBody>
-      </p:sp>
-      <p:sp>
-        <p:nvSpPr>
-          <p:cNvPr id="35" name="TextBox 34"/>
-          <p:cNvSpPr txBox="1"/>
-          <p:nvPr/>
-        </p:nvSpPr>
-        <p:spPr>
-          <a:xfrm>
-            <a:off x="1146450" y="1693358"/>
-            <a:ext cx="349776" cy="261610"/>
-          </a:xfrm>
-          <a:prstGeom prst="rect">
-            <a:avLst/>
-          </a:prstGeom>
-          <a:noFill/>
-        </p:spPr>
-        <p:txBody>
-          <a:bodyPr wrap="none" rtlCol="0">
-            <a:spAutoFit/>
-          </a:bodyPr>
-          <a:lstStyle/>
-          <a:p>
-            <a:r>
-              <a:rPr lang="da-DK" sz="1100" dirty="0" smtClean="0"/>
-              <a:t>No</a:t>
-            </a:r>
-            <a:endParaRPr lang="da-DK" sz="1100" dirty="0"/>
-          </a:p>
-        </p:txBody>
-      </p:sp>
     </p:spTree>
     <p:extLst>
       <p:ext uri="{BB962C8B-B14F-4D97-AF65-F5344CB8AC3E}">
